--- a/한국공학-게임-스크립트언어-2020180018-중간발표.pptx
+++ b/한국공학-게임-스크립트언어-2020180018-중간발표.pptx
@@ -13,8 +13,8 @@
     <p:sldId id="265" r:id="rId4"/>
     <p:sldId id="340" r:id="rId5"/>
     <p:sldId id="275" r:id="rId6"/>
-    <p:sldId id="341" r:id="rId7"/>
-    <p:sldId id="270" r:id="rId8"/>
+    <p:sldId id="270" r:id="rId7"/>
+    <p:sldId id="341" r:id="rId8"/>
   </p:sldIdLst>
   <p:sldSz cx="9144000" cy="5143500" type="screen16x9"/>
   <p:notesSz cx="6858000" cy="9144000"/>
@@ -1275,6 +1275,110 @@
   <p:cSld>
     <p:spTree>
       <p:nvGrpSpPr>
+        <p:cNvPr id="1" name="Shape 376"/>
+        <p:cNvGrpSpPr/>
+        <p:nvPr/>
+      </p:nvGrpSpPr>
+      <p:grpSpPr>
+        <a:xfrm>
+          <a:off x="0" y="0"/>
+          <a:ext cx="0" cy="0"/>
+          <a:chOff x="0" y="0"/>
+          <a:chExt cx="0" cy="0"/>
+        </a:xfrm>
+      </p:grpSpPr>
+      <p:sp>
+        <p:nvSpPr>
+          <p:cNvPr id="377" name="Google Shape;377;g6bad74673c_0_30:notes"/>
+          <p:cNvSpPr>
+            <a:spLocks noGrp="1" noRot="1" noChangeAspect="1"/>
+          </p:cNvSpPr>
+          <p:nvPr>
+            <p:ph type="sldImg" idx="2"/>
+          </p:nvPr>
+        </p:nvSpPr>
+        <p:spPr>
+          <a:xfrm>
+            <a:off x="381000" y="685800"/>
+            <a:ext cx="6096000" cy="3429000"/>
+          </a:xfrm>
+          <a:custGeom>
+            <a:avLst/>
+            <a:gdLst/>
+            <a:ahLst/>
+            <a:cxnLst/>
+            <a:rect l="l" t="t" r="r" b="b"/>
+            <a:pathLst>
+              <a:path w="120000" h="120000" extrusionOk="0">
+                <a:moveTo>
+                  <a:pt x="0" y="0"/>
+                </a:moveTo>
+                <a:lnTo>
+                  <a:pt x="120000" y="0"/>
+                </a:lnTo>
+                <a:lnTo>
+                  <a:pt x="120000" y="120000"/>
+                </a:lnTo>
+                <a:lnTo>
+                  <a:pt x="0" y="120000"/>
+                </a:lnTo>
+                <a:close/>
+              </a:path>
+            </a:pathLst>
+          </a:custGeom>
+        </p:spPr>
+      </p:sp>
+      <p:sp>
+        <p:nvSpPr>
+          <p:cNvPr id="378" name="Google Shape;378;g6bad74673c_0_30:notes"/>
+          <p:cNvSpPr txBox="1">
+            <a:spLocks noGrp="1"/>
+          </p:cNvSpPr>
+          <p:nvPr>
+            <p:ph type="body" idx="1"/>
+          </p:nvPr>
+        </p:nvSpPr>
+        <p:spPr>
+          <a:xfrm>
+            <a:off x="685800" y="4343400"/>
+            <a:ext cx="5486400" cy="4114800"/>
+          </a:xfrm>
+          <a:prstGeom prst="rect">
+            <a:avLst/>
+          </a:prstGeom>
+        </p:spPr>
+        <p:txBody>
+          <a:bodyPr spcFirstLastPara="1" wrap="square" lIns="91425" tIns="91425" rIns="91425" bIns="91425" anchor="t" anchorCtr="0">
+            <a:noAutofit/>
+          </a:bodyPr>
+          <a:lstStyle/>
+          <a:p>
+            <a:pPr marL="0" lvl="0" indent="0" algn="l" rtl="0">
+              <a:spcBef>
+                <a:spcPts val="0"/>
+              </a:spcBef>
+              <a:spcAft>
+                <a:spcPts val="0"/>
+              </a:spcAft>
+              <a:buNone/>
+            </a:pPr>
+            <a:endParaRPr/>
+          </a:p>
+        </p:txBody>
+      </p:sp>
+    </p:spTree>
+  </p:cSld>
+  <p:clrMapOvr>
+    <a:masterClrMapping/>
+  </p:clrMapOvr>
+</p:notes>
+</file>
+
+<file path=ppt/notesSlides/notesSlide7.xml><?xml version="1.0" encoding="utf-8"?>
+<p:notes xmlns:a="http://schemas.openxmlformats.org/drawingml/2006/main" xmlns:r="http://schemas.openxmlformats.org/officeDocument/2006/relationships" xmlns:p="http://schemas.openxmlformats.org/presentationml/2006/main" showMasterSp="0" showMasterPhAnim="0">
+  <p:cSld>
+    <p:spTree>
+      <p:nvGrpSpPr>
         <p:cNvPr id="1" name="Shape 459"/>
         <p:cNvGrpSpPr/>
         <p:nvPr/>
@@ -1372,110 +1476,6 @@
         <p14:creationId xmlns:p14="http://schemas.microsoft.com/office/powerpoint/2010/main" val="3616995996"/>
       </p:ext>
     </p:extLst>
-  </p:cSld>
-  <p:clrMapOvr>
-    <a:masterClrMapping/>
-  </p:clrMapOvr>
-</p:notes>
-</file>
-
-<file path=ppt/notesSlides/notesSlide7.xml><?xml version="1.0" encoding="utf-8"?>
-<p:notes xmlns:a="http://schemas.openxmlformats.org/drawingml/2006/main" xmlns:r="http://schemas.openxmlformats.org/officeDocument/2006/relationships" xmlns:p="http://schemas.openxmlformats.org/presentationml/2006/main" showMasterSp="0" showMasterPhAnim="0">
-  <p:cSld>
-    <p:spTree>
-      <p:nvGrpSpPr>
-        <p:cNvPr id="1" name="Shape 376"/>
-        <p:cNvGrpSpPr/>
-        <p:nvPr/>
-      </p:nvGrpSpPr>
-      <p:grpSpPr>
-        <a:xfrm>
-          <a:off x="0" y="0"/>
-          <a:ext cx="0" cy="0"/>
-          <a:chOff x="0" y="0"/>
-          <a:chExt cx="0" cy="0"/>
-        </a:xfrm>
-      </p:grpSpPr>
-      <p:sp>
-        <p:nvSpPr>
-          <p:cNvPr id="377" name="Google Shape;377;g6bad74673c_0_30:notes"/>
-          <p:cNvSpPr>
-            <a:spLocks noGrp="1" noRot="1" noChangeAspect="1"/>
-          </p:cNvSpPr>
-          <p:nvPr>
-            <p:ph type="sldImg" idx="2"/>
-          </p:nvPr>
-        </p:nvSpPr>
-        <p:spPr>
-          <a:xfrm>
-            <a:off x="381000" y="685800"/>
-            <a:ext cx="6096000" cy="3429000"/>
-          </a:xfrm>
-          <a:custGeom>
-            <a:avLst/>
-            <a:gdLst/>
-            <a:ahLst/>
-            <a:cxnLst/>
-            <a:rect l="l" t="t" r="r" b="b"/>
-            <a:pathLst>
-              <a:path w="120000" h="120000" extrusionOk="0">
-                <a:moveTo>
-                  <a:pt x="0" y="0"/>
-                </a:moveTo>
-                <a:lnTo>
-                  <a:pt x="120000" y="0"/>
-                </a:lnTo>
-                <a:lnTo>
-                  <a:pt x="120000" y="120000"/>
-                </a:lnTo>
-                <a:lnTo>
-                  <a:pt x="0" y="120000"/>
-                </a:lnTo>
-                <a:close/>
-              </a:path>
-            </a:pathLst>
-          </a:custGeom>
-        </p:spPr>
-      </p:sp>
-      <p:sp>
-        <p:nvSpPr>
-          <p:cNvPr id="378" name="Google Shape;378;g6bad74673c_0_30:notes"/>
-          <p:cNvSpPr txBox="1">
-            <a:spLocks noGrp="1"/>
-          </p:cNvSpPr>
-          <p:nvPr>
-            <p:ph type="body" idx="1"/>
-          </p:nvPr>
-        </p:nvSpPr>
-        <p:spPr>
-          <a:xfrm>
-            <a:off x="685800" y="4343400"/>
-            <a:ext cx="5486400" cy="4114800"/>
-          </a:xfrm>
-          <a:prstGeom prst="rect">
-            <a:avLst/>
-          </a:prstGeom>
-        </p:spPr>
-        <p:txBody>
-          <a:bodyPr spcFirstLastPara="1" wrap="square" lIns="91425" tIns="91425" rIns="91425" bIns="91425" anchor="t" anchorCtr="0">
-            <a:noAutofit/>
-          </a:bodyPr>
-          <a:lstStyle/>
-          <a:p>
-            <a:pPr marL="0" lvl="0" indent="0" algn="l" rtl="0">
-              <a:spcBef>
-                <a:spcPts val="0"/>
-              </a:spcBef>
-              <a:spcAft>
-                <a:spcPts val="0"/>
-              </a:spcAft>
-              <a:buNone/>
-            </a:pPr>
-            <a:endParaRPr/>
-          </a:p>
-        </p:txBody>
-      </p:sp>
-    </p:spTree>
   </p:cSld>
   <p:clrMapOvr>
     <a:masterClrMapping/>
@@ -30145,117 +30145,6 @@
 </file>
 
 <file path=ppt/slides/slide6.xml><?xml version="1.0" encoding="utf-8"?>
-<p:sld xmlns:a="http://schemas.openxmlformats.org/drawingml/2006/main" xmlns:r="http://schemas.openxmlformats.org/officeDocument/2006/relationships" xmlns:p="http://schemas.openxmlformats.org/presentationml/2006/main">
-  <p:cSld>
-    <p:spTree>
-      <p:nvGrpSpPr>
-        <p:cNvPr id="1" name="Shape 462"/>
-        <p:cNvGrpSpPr/>
-        <p:nvPr/>
-      </p:nvGrpSpPr>
-      <p:grpSpPr>
-        <a:xfrm>
-          <a:off x="0" y="0"/>
-          <a:ext cx="0" cy="0"/>
-          <a:chOff x="0" y="0"/>
-          <a:chExt cx="0" cy="0"/>
-        </a:xfrm>
-      </p:grpSpPr>
-      <p:sp>
-        <p:nvSpPr>
-          <p:cNvPr id="469" name="Google Shape;469;p50"/>
-          <p:cNvSpPr txBox="1">
-            <a:spLocks noGrp="1"/>
-          </p:cNvSpPr>
-          <p:nvPr>
-            <p:ph type="ctrTitle"/>
-          </p:nvPr>
-        </p:nvSpPr>
-        <p:spPr>
-          <a:xfrm>
-            <a:off x="1365725" y="327500"/>
-            <a:ext cx="6412500" cy="629700"/>
-          </a:xfrm>
-          <a:prstGeom prst="rect">
-            <a:avLst/>
-          </a:prstGeom>
-        </p:spPr>
-        <p:txBody>
-          <a:bodyPr spcFirstLastPara="1" wrap="square" lIns="91425" tIns="91425" rIns="91425" bIns="91425" anchor="t" anchorCtr="0">
-            <a:noAutofit/>
-          </a:bodyPr>
-          <a:lstStyle/>
-          <a:p>
-            <a:pPr marL="0" lvl="0" indent="0" algn="ctr" rtl="0">
-              <a:spcBef>
-                <a:spcPts val="0"/>
-              </a:spcBef>
-              <a:spcAft>
-                <a:spcPts val="0"/>
-              </a:spcAft>
-              <a:buNone/>
-            </a:pPr>
-            <a:r>
-              <a:rPr lang="en-US" altLang="ko-KR" b="1" dirty="0">
-                <a:latin typeface="배달의민족 한나는 열한살" panose="020B0600000101010101" pitchFamily="50" charset="-127"/>
-                <a:ea typeface="배달의민족 한나는 열한살" panose="020B0600000101010101" pitchFamily="50" charset="-127"/>
-              </a:rPr>
-              <a:t>Git commit </a:t>
-            </a:r>
-            <a:r>
-              <a:rPr lang="ko-KR" altLang="en-US" b="1" dirty="0">
-                <a:latin typeface="배달의민족 한나는 열한살" panose="020B0600000101010101" pitchFamily="50" charset="-127"/>
-                <a:ea typeface="배달의민족 한나는 열한살" panose="020B0600000101010101" pitchFamily="50" charset="-127"/>
-              </a:rPr>
-              <a:t>현황</a:t>
-            </a:r>
-          </a:p>
-        </p:txBody>
-      </p:sp>
-      <p:pic>
-        <p:nvPicPr>
-          <p:cNvPr id="27" name="그림 26">
-            <a:extLst>
-              <a:ext uri="{FF2B5EF4-FFF2-40B4-BE49-F238E27FC236}">
-                <a16:creationId xmlns:a16="http://schemas.microsoft.com/office/drawing/2014/main" id="{8A36294C-BEA2-FFC9-51C7-AD8439F6F6B2}"/>
-              </a:ext>
-            </a:extLst>
-          </p:cNvPr>
-          <p:cNvPicPr>
-            <a:picLocks noChangeAspect="1"/>
-          </p:cNvPicPr>
-          <p:nvPr/>
-        </p:nvPicPr>
-        <p:blipFill>
-          <a:blip r:embed="rId3"/>
-          <a:stretch>
-            <a:fillRect/>
-          </a:stretch>
-        </p:blipFill>
-        <p:spPr>
-          <a:xfrm>
-            <a:off x="736493" y="1454254"/>
-            <a:ext cx="7671014" cy="2234991"/>
-          </a:xfrm>
-          <a:prstGeom prst="rect">
-            <a:avLst/>
-          </a:prstGeom>
-        </p:spPr>
-      </p:pic>
-    </p:spTree>
-    <p:extLst>
-      <p:ext uri="{BB962C8B-B14F-4D97-AF65-F5344CB8AC3E}">
-        <p14:creationId xmlns:p14="http://schemas.microsoft.com/office/powerpoint/2010/main" val="2322213353"/>
-      </p:ext>
-    </p:extLst>
-  </p:cSld>
-  <p:clrMapOvr>
-    <a:masterClrMapping/>
-  </p:clrMapOvr>
-</p:sld>
-</file>
-
-<file path=ppt/slides/slide7.xml><?xml version="1.0" encoding="utf-8"?>
 <p:sld xmlns:a="http://schemas.openxmlformats.org/drawingml/2006/main" xmlns:r="http://schemas.openxmlformats.org/officeDocument/2006/relationships" xmlns:p="http://schemas.openxmlformats.org/presentationml/2006/main">
   <p:cSld>
     <p:spTree>
@@ -33260,6 +33149,117 @@
 </p:sld>
 </file>
 
+<file path=ppt/slides/slide7.xml><?xml version="1.0" encoding="utf-8"?>
+<p:sld xmlns:a="http://schemas.openxmlformats.org/drawingml/2006/main" xmlns:r="http://schemas.openxmlformats.org/officeDocument/2006/relationships" xmlns:p="http://schemas.openxmlformats.org/presentationml/2006/main">
+  <p:cSld>
+    <p:spTree>
+      <p:nvGrpSpPr>
+        <p:cNvPr id="1" name="Shape 462"/>
+        <p:cNvGrpSpPr/>
+        <p:nvPr/>
+      </p:nvGrpSpPr>
+      <p:grpSpPr>
+        <a:xfrm>
+          <a:off x="0" y="0"/>
+          <a:ext cx="0" cy="0"/>
+          <a:chOff x="0" y="0"/>
+          <a:chExt cx="0" cy="0"/>
+        </a:xfrm>
+      </p:grpSpPr>
+      <p:sp>
+        <p:nvSpPr>
+          <p:cNvPr id="469" name="Google Shape;469;p50"/>
+          <p:cNvSpPr txBox="1">
+            <a:spLocks noGrp="1"/>
+          </p:cNvSpPr>
+          <p:nvPr>
+            <p:ph type="ctrTitle"/>
+          </p:nvPr>
+        </p:nvSpPr>
+        <p:spPr>
+          <a:xfrm>
+            <a:off x="1365725" y="327500"/>
+            <a:ext cx="6412500" cy="629700"/>
+          </a:xfrm>
+          <a:prstGeom prst="rect">
+            <a:avLst/>
+          </a:prstGeom>
+        </p:spPr>
+        <p:txBody>
+          <a:bodyPr spcFirstLastPara="1" wrap="square" lIns="91425" tIns="91425" rIns="91425" bIns="91425" anchor="t" anchorCtr="0">
+            <a:noAutofit/>
+          </a:bodyPr>
+          <a:lstStyle/>
+          <a:p>
+            <a:pPr marL="0" lvl="0" indent="0" algn="ctr" rtl="0">
+              <a:spcBef>
+                <a:spcPts val="0"/>
+              </a:spcBef>
+              <a:spcAft>
+                <a:spcPts val="0"/>
+              </a:spcAft>
+              <a:buNone/>
+            </a:pPr>
+            <a:r>
+              <a:rPr lang="en-US" altLang="ko-KR" b="1" dirty="0">
+                <a:latin typeface="배달의민족 한나는 열한살" panose="020B0600000101010101" pitchFamily="50" charset="-127"/>
+                <a:ea typeface="배달의민족 한나는 열한살" panose="020B0600000101010101" pitchFamily="50" charset="-127"/>
+              </a:rPr>
+              <a:t>Git commit </a:t>
+            </a:r>
+            <a:r>
+              <a:rPr lang="ko-KR" altLang="en-US" b="1" dirty="0">
+                <a:latin typeface="배달의민족 한나는 열한살" panose="020B0600000101010101" pitchFamily="50" charset="-127"/>
+                <a:ea typeface="배달의민족 한나는 열한살" panose="020B0600000101010101" pitchFamily="50" charset="-127"/>
+              </a:rPr>
+              <a:t>현황</a:t>
+            </a:r>
+          </a:p>
+        </p:txBody>
+      </p:sp>
+      <p:pic>
+        <p:nvPicPr>
+          <p:cNvPr id="27" name="그림 26">
+            <a:extLst>
+              <a:ext uri="{FF2B5EF4-FFF2-40B4-BE49-F238E27FC236}">
+                <a16:creationId xmlns:a16="http://schemas.microsoft.com/office/drawing/2014/main" id="{8A36294C-BEA2-FFC9-51C7-AD8439F6F6B2}"/>
+              </a:ext>
+            </a:extLst>
+          </p:cNvPr>
+          <p:cNvPicPr>
+            <a:picLocks noChangeAspect="1"/>
+          </p:cNvPicPr>
+          <p:nvPr/>
+        </p:nvPicPr>
+        <p:blipFill>
+          <a:blip r:embed="rId3"/>
+          <a:stretch>
+            <a:fillRect/>
+          </a:stretch>
+        </p:blipFill>
+        <p:spPr>
+          <a:xfrm>
+            <a:off x="736493" y="1454254"/>
+            <a:ext cx="7671014" cy="2234991"/>
+          </a:xfrm>
+          <a:prstGeom prst="rect">
+            <a:avLst/>
+          </a:prstGeom>
+        </p:spPr>
+      </p:pic>
+    </p:spTree>
+    <p:extLst>
+      <p:ext uri="{BB962C8B-B14F-4D97-AF65-F5344CB8AC3E}">
+        <p14:creationId xmlns:p14="http://schemas.microsoft.com/office/powerpoint/2010/main" val="2322213353"/>
+      </p:ext>
+    </p:extLst>
+  </p:cSld>
+  <p:clrMapOvr>
+    <a:masterClrMapping/>
+  </p:clrMapOvr>
+</p:sld>
+</file>
+
 <file path=ppt/theme/theme1.xml><?xml version="1.0" encoding="utf-8"?>
 <a:theme xmlns:a="http://schemas.openxmlformats.org/drawingml/2006/main" name="Animal Center by Slidesgo">
   <a:themeElements>

--- a/한국공학-게임-스크립트언어-2020180018-중간발표.pptx
+++ b/한국공학-게임-스크립트언어-2020180018-중간발표.pptx
@@ -31382,7 +31382,21 @@
                 <a:latin typeface="배달의민족 한나는 열한살" panose="020B0600000101010101" pitchFamily="50" charset="-127"/>
                 <a:ea typeface="배달의민족 한나는 열한살" panose="020B0600000101010101" pitchFamily="50" charset="-127"/>
               </a:rPr>
-              <a:t>개발 일정</a:t>
+              <a:t>개발 </a:t>
+            </a:r>
+            <a:r>
+              <a:rPr lang="ko-KR" altLang="en-US">
+                <a:latin typeface="배달의민족 한나는 열한살" panose="020B0600000101010101" pitchFamily="50" charset="-127"/>
+                <a:ea typeface="배달의민족 한나는 열한살" panose="020B0600000101010101" pitchFamily="50" charset="-127"/>
+              </a:rPr>
+              <a:t>진행 상</a:t>
+            </a:r>
+            <a:r>
+              <a:rPr lang="ko-KR" altLang="en-US" dirty="0">
+                <a:latin typeface="배달의민족 한나는 열한살" panose="020B0600000101010101" pitchFamily="50" charset="-127"/>
+                <a:ea typeface="배달의민족 한나는 열한살" panose="020B0600000101010101" pitchFamily="50" charset="-127"/>
+              </a:rPr>
+              <a:t>황</a:t>
             </a:r>
             <a:endParaRPr dirty="0">
               <a:latin typeface="배달의민족 한나는 열한살" panose="020B0600000101010101" pitchFamily="50" charset="-127"/>
